--- a/Notes/12_electronic_spectroscopy.pptx
+++ b/Notes/12_electronic_spectroscopy.pptx
@@ -5,7 +5,7 @@
     <p:sldMasterId id="2147483648" r:id="rId1"/>
   </p:sldMasterIdLst>
   <p:notesMasterIdLst>
-    <p:notesMasterId r:id="rId8"/>
+    <p:notesMasterId r:id="rId9"/>
   </p:notesMasterIdLst>
   <p:sldIdLst>
     <p:sldId id="256" r:id="rId2"/>
@@ -14,6 +14,7 @@
     <p:sldId id="261" r:id="rId5"/>
     <p:sldId id="262" r:id="rId6"/>
     <p:sldId id="263" r:id="rId7"/>
+    <p:sldId id="264" r:id="rId8"/>
   </p:sldIdLst>
   <p:sldSz cx="9144000" cy="6858000" type="screen4x3"/>
   <p:notesSz cx="6858000" cy="9144000"/>
@@ -112,6 +113,22 @@
       </a:defRPr>
     </a:lvl9pPr>
   </p:defaultTextStyle>
+  <p:extLst>
+    <p:ext uri="{EFAFB233-063F-42B5-8137-9DF3F51BA10A}">
+      <p15:sldGuideLst xmlns:p15="http://schemas.microsoft.com/office/powerpoint/2012/main">
+        <p15:guide id="1" orient="horz" pos="2160">
+          <p15:clr>
+            <a:srgbClr val="A4A3A4"/>
+          </p15:clr>
+        </p15:guide>
+        <p15:guide id="2" pos="2880">
+          <p15:clr>
+            <a:srgbClr val="A4A3A4"/>
+          </p15:clr>
+        </p15:guide>
+      </p15:sldGuideLst>
+    </p:ext>
+  </p:extLst>
 </p:presentation>
 </file>
 
@@ -197,7 +214,7 @@
           <a:p>
             <a:fld id="{7140EA89-28A1-B243-977E-6A31A2C6F750}" type="datetimeFigureOut">
               <a:rPr lang="en-US" smtClean="0"/>
-              <a:t>11/25/14</a:t>
+              <a:t>4/18/24</a:t>
             </a:fld>
             <a:endParaRPr lang="en-US"/>
           </a:p>
@@ -261,38 +278,37 @@
           <a:p>
             <a:pPr lvl="0"/>
             <a:r>
-              <a:rPr lang="en-US" smtClean="0"/>
+              <a:rPr lang="en-US"/>
               <a:t>Click to edit Master text styles</a:t>
             </a:r>
           </a:p>
           <a:p>
             <a:pPr lvl="1"/>
             <a:r>
-              <a:rPr lang="en-US" smtClean="0"/>
+              <a:rPr lang="en-US"/>
               <a:t>Second level</a:t>
             </a:r>
           </a:p>
           <a:p>
             <a:pPr lvl="2"/>
             <a:r>
-              <a:rPr lang="en-US" smtClean="0"/>
+              <a:rPr lang="en-US"/>
               <a:t>Third level</a:t>
             </a:r>
           </a:p>
           <a:p>
             <a:pPr lvl="3"/>
             <a:r>
-              <a:rPr lang="en-US" smtClean="0"/>
+              <a:rPr lang="en-US"/>
               <a:t>Fourth level</a:t>
             </a:r>
           </a:p>
           <a:p>
             <a:pPr lvl="4"/>
             <a:r>
-              <a:rPr lang="en-US" smtClean="0"/>
+              <a:rPr lang="en-US"/>
               <a:t>Fifth level</a:t>
             </a:r>
-            <a:endParaRPr lang="en-US"/>
           </a:p>
         </p:txBody>
       </p:sp>
@@ -503,10 +519,9 @@
           <a:lstStyle/>
           <a:p>
             <a:r>
-              <a:rPr lang="en-US" smtClean="0"/>
+              <a:rPr lang="en-US"/>
               <a:t>Click to edit Master title style</a:t>
             </a:r>
-            <a:endParaRPr lang="en-US"/>
           </a:p>
         </p:txBody>
       </p:sp>
@@ -622,10 +637,9 @@
           </a:lstStyle>
           <a:p>
             <a:r>
-              <a:rPr lang="en-US" smtClean="0"/>
+              <a:rPr lang="en-US"/>
               <a:t>Click to edit Master subtitle style</a:t>
             </a:r>
-            <a:endParaRPr lang="en-US"/>
           </a:p>
         </p:txBody>
       </p:sp>
@@ -646,7 +660,7 @@
           <a:p>
             <a:fld id="{0648D364-E2AF-6144-9050-EED35606F0A6}" type="datetimeFigureOut">
               <a:rPr lang="en-US" smtClean="0"/>
-              <a:t>11/25/14</a:t>
+              <a:t>4/18/24</a:t>
             </a:fld>
             <a:endParaRPr lang="en-US"/>
           </a:p>
@@ -740,10 +754,9 @@
           <a:lstStyle/>
           <a:p>
             <a:r>
-              <a:rPr lang="en-US" smtClean="0"/>
+              <a:rPr lang="en-US"/>
               <a:t>Click to edit Master title style</a:t>
             </a:r>
-            <a:endParaRPr lang="en-US"/>
           </a:p>
         </p:txBody>
       </p:sp>
@@ -764,38 +777,37 @@
           <a:p>
             <a:pPr lvl="0"/>
             <a:r>
-              <a:rPr lang="en-US" smtClean="0"/>
+              <a:rPr lang="en-US"/>
               <a:t>Click to edit Master text styles</a:t>
             </a:r>
           </a:p>
           <a:p>
             <a:pPr lvl="1"/>
             <a:r>
-              <a:rPr lang="en-US" smtClean="0"/>
+              <a:rPr lang="en-US"/>
               <a:t>Second level</a:t>
             </a:r>
           </a:p>
           <a:p>
             <a:pPr lvl="2"/>
             <a:r>
-              <a:rPr lang="en-US" smtClean="0"/>
+              <a:rPr lang="en-US"/>
               <a:t>Third level</a:t>
             </a:r>
           </a:p>
           <a:p>
             <a:pPr lvl="3"/>
             <a:r>
-              <a:rPr lang="en-US" smtClean="0"/>
+              <a:rPr lang="en-US"/>
               <a:t>Fourth level</a:t>
             </a:r>
           </a:p>
           <a:p>
             <a:pPr lvl="4"/>
             <a:r>
-              <a:rPr lang="en-US" smtClean="0"/>
+              <a:rPr lang="en-US"/>
               <a:t>Fifth level</a:t>
             </a:r>
-            <a:endParaRPr lang="en-US"/>
           </a:p>
         </p:txBody>
       </p:sp>
@@ -816,7 +828,7 @@
           <a:p>
             <a:fld id="{0648D364-E2AF-6144-9050-EED35606F0A6}" type="datetimeFigureOut">
               <a:rPr lang="en-US" smtClean="0"/>
-              <a:t>11/25/14</a:t>
+              <a:t>4/18/24</a:t>
             </a:fld>
             <a:endParaRPr lang="en-US"/>
           </a:p>
@@ -915,10 +927,9 @@
           <a:lstStyle/>
           <a:p>
             <a:r>
-              <a:rPr lang="en-US" smtClean="0"/>
+              <a:rPr lang="en-US"/>
               <a:t>Click to edit Master title style</a:t>
             </a:r>
-            <a:endParaRPr lang="en-US"/>
           </a:p>
         </p:txBody>
       </p:sp>
@@ -944,38 +955,37 @@
           <a:p>
             <a:pPr lvl="0"/>
             <a:r>
-              <a:rPr lang="en-US" smtClean="0"/>
+              <a:rPr lang="en-US"/>
               <a:t>Click to edit Master text styles</a:t>
             </a:r>
           </a:p>
           <a:p>
             <a:pPr lvl="1"/>
             <a:r>
-              <a:rPr lang="en-US" smtClean="0"/>
+              <a:rPr lang="en-US"/>
               <a:t>Second level</a:t>
             </a:r>
           </a:p>
           <a:p>
             <a:pPr lvl="2"/>
             <a:r>
-              <a:rPr lang="en-US" smtClean="0"/>
+              <a:rPr lang="en-US"/>
               <a:t>Third level</a:t>
             </a:r>
           </a:p>
           <a:p>
             <a:pPr lvl="3"/>
             <a:r>
-              <a:rPr lang="en-US" smtClean="0"/>
+              <a:rPr lang="en-US"/>
               <a:t>Fourth level</a:t>
             </a:r>
           </a:p>
           <a:p>
             <a:pPr lvl="4"/>
             <a:r>
-              <a:rPr lang="en-US" smtClean="0"/>
+              <a:rPr lang="en-US"/>
               <a:t>Fifth level</a:t>
             </a:r>
-            <a:endParaRPr lang="en-US"/>
           </a:p>
         </p:txBody>
       </p:sp>
@@ -996,7 +1006,7 @@
           <a:p>
             <a:fld id="{0648D364-E2AF-6144-9050-EED35606F0A6}" type="datetimeFigureOut">
               <a:rPr lang="en-US" smtClean="0"/>
-              <a:t>11/25/14</a:t>
+              <a:t>4/18/24</a:t>
             </a:fld>
             <a:endParaRPr lang="en-US"/>
           </a:p>
@@ -1090,10 +1100,9 @@
           <a:lstStyle/>
           <a:p>
             <a:r>
-              <a:rPr lang="en-US" smtClean="0"/>
+              <a:rPr lang="en-US"/>
               <a:t>Click to edit Master title style</a:t>
             </a:r>
-            <a:endParaRPr lang="en-US"/>
           </a:p>
         </p:txBody>
       </p:sp>
@@ -1114,38 +1123,37 @@
           <a:p>
             <a:pPr lvl="0"/>
             <a:r>
-              <a:rPr lang="en-US" smtClean="0"/>
+              <a:rPr lang="en-US"/>
               <a:t>Click to edit Master text styles</a:t>
             </a:r>
           </a:p>
           <a:p>
             <a:pPr lvl="1"/>
             <a:r>
-              <a:rPr lang="en-US" smtClean="0"/>
+              <a:rPr lang="en-US"/>
               <a:t>Second level</a:t>
             </a:r>
           </a:p>
           <a:p>
             <a:pPr lvl="2"/>
             <a:r>
-              <a:rPr lang="en-US" smtClean="0"/>
+              <a:rPr lang="en-US"/>
               <a:t>Third level</a:t>
             </a:r>
           </a:p>
           <a:p>
             <a:pPr lvl="3"/>
             <a:r>
-              <a:rPr lang="en-US" smtClean="0"/>
+              <a:rPr lang="en-US"/>
               <a:t>Fourth level</a:t>
             </a:r>
           </a:p>
           <a:p>
             <a:pPr lvl="4"/>
             <a:r>
-              <a:rPr lang="en-US" smtClean="0"/>
+              <a:rPr lang="en-US"/>
               <a:t>Fifth level</a:t>
             </a:r>
-            <a:endParaRPr lang="en-US"/>
           </a:p>
         </p:txBody>
       </p:sp>
@@ -1166,7 +1174,7 @@
           <a:p>
             <a:fld id="{0648D364-E2AF-6144-9050-EED35606F0A6}" type="datetimeFigureOut">
               <a:rPr lang="en-US" smtClean="0"/>
-              <a:t>11/25/14</a:t>
+              <a:t>4/18/24</a:t>
             </a:fld>
             <a:endParaRPr lang="en-US"/>
           </a:p>
@@ -1269,10 +1277,9 @@
           </a:lstStyle>
           <a:p>
             <a:r>
-              <a:rPr lang="en-US" smtClean="0"/>
+              <a:rPr lang="en-US"/>
               <a:t>Click to edit Master title style</a:t>
             </a:r>
-            <a:endParaRPr lang="en-US"/>
           </a:p>
         </p:txBody>
       </p:sp>
@@ -1389,7 +1396,7 @@
           <a:p>
             <a:pPr lvl="0"/>
             <a:r>
-              <a:rPr lang="en-US" smtClean="0"/>
+              <a:rPr lang="en-US"/>
               <a:t>Click to edit Master text styles</a:t>
             </a:r>
           </a:p>
@@ -1412,7 +1419,7 @@
           <a:p>
             <a:fld id="{0648D364-E2AF-6144-9050-EED35606F0A6}" type="datetimeFigureOut">
               <a:rPr lang="en-US" smtClean="0"/>
-              <a:t>11/25/14</a:t>
+              <a:t>4/18/24</a:t>
             </a:fld>
             <a:endParaRPr lang="en-US"/>
           </a:p>
@@ -1506,10 +1513,9 @@
           <a:lstStyle/>
           <a:p>
             <a:r>
-              <a:rPr lang="en-US" smtClean="0"/>
+              <a:rPr lang="en-US"/>
               <a:t>Click to edit Master title style</a:t>
             </a:r>
-            <a:endParaRPr lang="en-US"/>
           </a:p>
         </p:txBody>
       </p:sp>
@@ -1563,38 +1569,37 @@
           <a:p>
             <a:pPr lvl="0"/>
             <a:r>
-              <a:rPr lang="en-US" smtClean="0"/>
+              <a:rPr lang="en-US"/>
               <a:t>Click to edit Master text styles</a:t>
             </a:r>
           </a:p>
           <a:p>
             <a:pPr lvl="1"/>
             <a:r>
-              <a:rPr lang="en-US" smtClean="0"/>
+              <a:rPr lang="en-US"/>
               <a:t>Second level</a:t>
             </a:r>
           </a:p>
           <a:p>
             <a:pPr lvl="2"/>
             <a:r>
-              <a:rPr lang="en-US" smtClean="0"/>
+              <a:rPr lang="en-US"/>
               <a:t>Third level</a:t>
             </a:r>
           </a:p>
           <a:p>
             <a:pPr lvl="3"/>
             <a:r>
-              <a:rPr lang="en-US" smtClean="0"/>
+              <a:rPr lang="en-US"/>
               <a:t>Fourth level</a:t>
             </a:r>
           </a:p>
           <a:p>
             <a:pPr lvl="4"/>
             <a:r>
-              <a:rPr lang="en-US" smtClean="0"/>
+              <a:rPr lang="en-US"/>
               <a:t>Fifth level</a:t>
             </a:r>
-            <a:endParaRPr lang="en-US"/>
           </a:p>
         </p:txBody>
       </p:sp>
@@ -1648,38 +1653,37 @@
           <a:p>
             <a:pPr lvl="0"/>
             <a:r>
-              <a:rPr lang="en-US" smtClean="0"/>
+              <a:rPr lang="en-US"/>
               <a:t>Click to edit Master text styles</a:t>
             </a:r>
           </a:p>
           <a:p>
             <a:pPr lvl="1"/>
             <a:r>
-              <a:rPr lang="en-US" smtClean="0"/>
+              <a:rPr lang="en-US"/>
               <a:t>Second level</a:t>
             </a:r>
           </a:p>
           <a:p>
             <a:pPr lvl="2"/>
             <a:r>
-              <a:rPr lang="en-US" smtClean="0"/>
+              <a:rPr lang="en-US"/>
               <a:t>Third level</a:t>
             </a:r>
           </a:p>
           <a:p>
             <a:pPr lvl="3"/>
             <a:r>
-              <a:rPr lang="en-US" smtClean="0"/>
+              <a:rPr lang="en-US"/>
               <a:t>Fourth level</a:t>
             </a:r>
           </a:p>
           <a:p>
             <a:pPr lvl="4"/>
             <a:r>
-              <a:rPr lang="en-US" smtClean="0"/>
+              <a:rPr lang="en-US"/>
               <a:t>Fifth level</a:t>
             </a:r>
-            <a:endParaRPr lang="en-US"/>
           </a:p>
         </p:txBody>
       </p:sp>
@@ -1700,7 +1704,7 @@
           <a:p>
             <a:fld id="{0648D364-E2AF-6144-9050-EED35606F0A6}" type="datetimeFigureOut">
               <a:rPr lang="en-US" smtClean="0"/>
-              <a:t>11/25/14</a:t>
+              <a:t>4/18/24</a:t>
             </a:fld>
             <a:endParaRPr lang="en-US"/>
           </a:p>
@@ -1798,10 +1802,9 @@
           </a:lstStyle>
           <a:p>
             <a:r>
-              <a:rPr lang="en-US" smtClean="0"/>
+              <a:rPr lang="en-US"/>
               <a:t>Click to edit Master title style</a:t>
             </a:r>
-            <a:endParaRPr lang="en-US"/>
           </a:p>
         </p:txBody>
       </p:sp>
@@ -1864,7 +1867,7 @@
           <a:p>
             <a:pPr lvl="0"/>
             <a:r>
-              <a:rPr lang="en-US" smtClean="0"/>
+              <a:rPr lang="en-US"/>
               <a:t>Click to edit Master text styles</a:t>
             </a:r>
           </a:p>
@@ -1920,38 +1923,37 @@
           <a:p>
             <a:pPr lvl="0"/>
             <a:r>
-              <a:rPr lang="en-US" smtClean="0"/>
+              <a:rPr lang="en-US"/>
               <a:t>Click to edit Master text styles</a:t>
             </a:r>
           </a:p>
           <a:p>
             <a:pPr lvl="1"/>
             <a:r>
-              <a:rPr lang="en-US" smtClean="0"/>
+              <a:rPr lang="en-US"/>
               <a:t>Second level</a:t>
             </a:r>
           </a:p>
           <a:p>
             <a:pPr lvl="2"/>
             <a:r>
-              <a:rPr lang="en-US" smtClean="0"/>
+              <a:rPr lang="en-US"/>
               <a:t>Third level</a:t>
             </a:r>
           </a:p>
           <a:p>
             <a:pPr lvl="3"/>
             <a:r>
-              <a:rPr lang="en-US" smtClean="0"/>
+              <a:rPr lang="en-US"/>
               <a:t>Fourth level</a:t>
             </a:r>
           </a:p>
           <a:p>
             <a:pPr lvl="4"/>
             <a:r>
-              <a:rPr lang="en-US" smtClean="0"/>
+              <a:rPr lang="en-US"/>
               <a:t>Fifth level</a:t>
             </a:r>
-            <a:endParaRPr lang="en-US"/>
           </a:p>
         </p:txBody>
       </p:sp>
@@ -2014,7 +2016,7 @@
           <a:p>
             <a:pPr lvl="0"/>
             <a:r>
-              <a:rPr lang="en-US" smtClean="0"/>
+              <a:rPr lang="en-US"/>
               <a:t>Click to edit Master text styles</a:t>
             </a:r>
           </a:p>
@@ -2070,38 +2072,37 @@
           <a:p>
             <a:pPr lvl="0"/>
             <a:r>
-              <a:rPr lang="en-US" smtClean="0"/>
+              <a:rPr lang="en-US"/>
               <a:t>Click to edit Master text styles</a:t>
             </a:r>
           </a:p>
           <a:p>
             <a:pPr lvl="1"/>
             <a:r>
-              <a:rPr lang="en-US" smtClean="0"/>
+              <a:rPr lang="en-US"/>
               <a:t>Second level</a:t>
             </a:r>
           </a:p>
           <a:p>
             <a:pPr lvl="2"/>
             <a:r>
-              <a:rPr lang="en-US" smtClean="0"/>
+              <a:rPr lang="en-US"/>
               <a:t>Third level</a:t>
             </a:r>
           </a:p>
           <a:p>
             <a:pPr lvl="3"/>
             <a:r>
-              <a:rPr lang="en-US" smtClean="0"/>
+              <a:rPr lang="en-US"/>
               <a:t>Fourth level</a:t>
             </a:r>
           </a:p>
           <a:p>
             <a:pPr lvl="4"/>
             <a:r>
-              <a:rPr lang="en-US" smtClean="0"/>
+              <a:rPr lang="en-US"/>
               <a:t>Fifth level</a:t>
             </a:r>
-            <a:endParaRPr lang="en-US"/>
           </a:p>
         </p:txBody>
       </p:sp>
@@ -2122,7 +2123,7 @@
           <a:p>
             <a:fld id="{0648D364-E2AF-6144-9050-EED35606F0A6}" type="datetimeFigureOut">
               <a:rPr lang="en-US" smtClean="0"/>
-              <a:t>11/25/14</a:t>
+              <a:t>4/18/24</a:t>
             </a:fld>
             <a:endParaRPr lang="en-US"/>
           </a:p>
@@ -2216,10 +2217,9 @@
           <a:lstStyle/>
           <a:p>
             <a:r>
-              <a:rPr lang="en-US" smtClean="0"/>
+              <a:rPr lang="en-US"/>
               <a:t>Click to edit Master title style</a:t>
             </a:r>
-            <a:endParaRPr lang="en-US"/>
           </a:p>
         </p:txBody>
       </p:sp>
@@ -2240,7 +2240,7 @@
           <a:p>
             <a:fld id="{0648D364-E2AF-6144-9050-EED35606F0A6}" type="datetimeFigureOut">
               <a:rPr lang="en-US" smtClean="0"/>
-              <a:t>11/25/14</a:t>
+              <a:t>4/18/24</a:t>
             </a:fld>
             <a:endParaRPr lang="en-US"/>
           </a:p>
@@ -2335,7 +2335,7 @@
           <a:p>
             <a:fld id="{0648D364-E2AF-6144-9050-EED35606F0A6}" type="datetimeFigureOut">
               <a:rPr lang="en-US" smtClean="0"/>
-              <a:t>11/25/14</a:t>
+              <a:t>4/18/24</a:t>
             </a:fld>
             <a:endParaRPr lang="en-US"/>
           </a:p>
@@ -2438,10 +2438,9 @@
           </a:lstStyle>
           <a:p>
             <a:r>
-              <a:rPr lang="en-US" smtClean="0"/>
+              <a:rPr lang="en-US"/>
               <a:t>Click to edit Master title style</a:t>
             </a:r>
-            <a:endParaRPr lang="en-US"/>
           </a:p>
         </p:txBody>
       </p:sp>
@@ -2495,38 +2494,37 @@
           <a:p>
             <a:pPr lvl="0"/>
             <a:r>
-              <a:rPr lang="en-US" smtClean="0"/>
+              <a:rPr lang="en-US"/>
               <a:t>Click to edit Master text styles</a:t>
             </a:r>
           </a:p>
           <a:p>
             <a:pPr lvl="1"/>
             <a:r>
-              <a:rPr lang="en-US" smtClean="0"/>
+              <a:rPr lang="en-US"/>
               <a:t>Second level</a:t>
             </a:r>
           </a:p>
           <a:p>
             <a:pPr lvl="2"/>
             <a:r>
-              <a:rPr lang="en-US" smtClean="0"/>
+              <a:rPr lang="en-US"/>
               <a:t>Third level</a:t>
             </a:r>
           </a:p>
           <a:p>
             <a:pPr lvl="3"/>
             <a:r>
-              <a:rPr lang="en-US" smtClean="0"/>
+              <a:rPr lang="en-US"/>
               <a:t>Fourth level</a:t>
             </a:r>
           </a:p>
           <a:p>
             <a:pPr lvl="4"/>
             <a:r>
-              <a:rPr lang="en-US" smtClean="0"/>
+              <a:rPr lang="en-US"/>
               <a:t>Fifth level</a:t>
             </a:r>
-            <a:endParaRPr lang="en-US"/>
           </a:p>
         </p:txBody>
       </p:sp>
@@ -2589,7 +2587,7 @@
           <a:p>
             <a:pPr lvl="0"/>
             <a:r>
-              <a:rPr lang="en-US" smtClean="0"/>
+              <a:rPr lang="en-US"/>
               <a:t>Click to edit Master text styles</a:t>
             </a:r>
           </a:p>
@@ -2612,7 +2610,7 @@
           <a:p>
             <a:fld id="{0648D364-E2AF-6144-9050-EED35606F0A6}" type="datetimeFigureOut">
               <a:rPr lang="en-US" smtClean="0"/>
-              <a:t>11/25/14</a:t>
+              <a:t>4/18/24</a:t>
             </a:fld>
             <a:endParaRPr lang="en-US"/>
           </a:p>
@@ -2715,10 +2713,9 @@
           </a:lstStyle>
           <a:p>
             <a:r>
-              <a:rPr lang="en-US" smtClean="0"/>
+              <a:rPr lang="en-US"/>
               <a:t>Click to edit Master title style</a:t>
             </a:r>
-            <a:endParaRPr lang="en-US"/>
           </a:p>
         </p:txBody>
       </p:sp>
@@ -2842,7 +2839,7 @@
           <a:p>
             <a:pPr lvl="0"/>
             <a:r>
-              <a:rPr lang="en-US" smtClean="0"/>
+              <a:rPr lang="en-US"/>
               <a:t>Click to edit Master text styles</a:t>
             </a:r>
           </a:p>
@@ -2865,7 +2862,7 @@
           <a:p>
             <a:fld id="{0648D364-E2AF-6144-9050-EED35606F0A6}" type="datetimeFigureOut">
               <a:rPr lang="en-US" smtClean="0"/>
-              <a:t>11/25/14</a:t>
+              <a:t>4/18/24</a:t>
             </a:fld>
             <a:endParaRPr lang="en-US"/>
           </a:p>
@@ -2974,10 +2971,9 @@
           <a:lstStyle/>
           <a:p>
             <a:r>
-              <a:rPr lang="en-US" smtClean="0"/>
+              <a:rPr lang="en-US"/>
               <a:t>Click to edit Master title style</a:t>
             </a:r>
-            <a:endParaRPr lang="en-US"/>
           </a:p>
         </p:txBody>
       </p:sp>
@@ -3008,38 +3004,37 @@
           <a:p>
             <a:pPr lvl="0"/>
             <a:r>
-              <a:rPr lang="en-US" smtClean="0"/>
+              <a:rPr lang="en-US"/>
               <a:t>Click to edit Master text styles</a:t>
             </a:r>
           </a:p>
           <a:p>
             <a:pPr lvl="1"/>
             <a:r>
-              <a:rPr lang="en-US" smtClean="0"/>
+              <a:rPr lang="en-US"/>
               <a:t>Second level</a:t>
             </a:r>
           </a:p>
           <a:p>
             <a:pPr lvl="2"/>
             <a:r>
-              <a:rPr lang="en-US" smtClean="0"/>
+              <a:rPr lang="en-US"/>
               <a:t>Third level</a:t>
             </a:r>
           </a:p>
           <a:p>
             <a:pPr lvl="3"/>
             <a:r>
-              <a:rPr lang="en-US" smtClean="0"/>
+              <a:rPr lang="en-US"/>
               <a:t>Fourth level</a:t>
             </a:r>
           </a:p>
           <a:p>
             <a:pPr lvl="4"/>
             <a:r>
-              <a:rPr lang="en-US" smtClean="0"/>
+              <a:rPr lang="en-US"/>
               <a:t>Fifth level</a:t>
             </a:r>
-            <a:endParaRPr lang="en-US"/>
           </a:p>
         </p:txBody>
       </p:sp>
@@ -3078,7 +3073,7 @@
           <a:p>
             <a:fld id="{0648D364-E2AF-6144-9050-EED35606F0A6}" type="datetimeFigureOut">
               <a:rPr lang="en-US" smtClean="0"/>
-              <a:t>11/25/14</a:t>
+              <a:t>4/18/24</a:t>
             </a:fld>
             <a:endParaRPr lang="en-US"/>
           </a:p>
@@ -3551,7 +3546,7 @@
           <a:p>
             <a:pPr algn="ctr"/>
             <a:r>
-              <a:rPr lang="en-US" sz="4400" dirty="0" smtClean="0">
+              <a:rPr lang="en-US" sz="4400" dirty="0">
                 <a:latin typeface="Times New Roman"/>
                 <a:cs typeface="Times New Roman"/>
               </a:rPr>
@@ -3630,14 +3625,14 @@
           <a:lstStyle/>
           <a:p>
             <a:r>
-              <a:rPr lang="en-US" dirty="0" smtClean="0">
+              <a:rPr lang="en-US" dirty="0">
                 <a:latin typeface="Times New Roman"/>
                 <a:cs typeface="Times New Roman"/>
               </a:rPr>
               <a:t>Hitachi-</a:t>
             </a:r>
             <a:r>
-              <a:rPr lang="en-US" dirty="0" err="1" smtClean="0">
+              <a:rPr lang="en-US" dirty="0" err="1">
                 <a:latin typeface="Times New Roman"/>
                 <a:cs typeface="Times New Roman"/>
               </a:rPr>
@@ -3657,13 +3652,6 @@
   <p:clrMapOvr>
     <a:masterClrMapping/>
   </p:clrMapOvr>
-  <p:timing>
-    <p:tnLst>
-      <p:par>
-        <p:cTn xmlns:p14="http://schemas.microsoft.com/office/powerpoint/2010/main" id="1" dur="indefinite" restart="never" nodeType="tmRoot"/>
-      </p:par>
-    </p:tnLst>
-  </p:timing>
 </p:sld>
 </file>
 
@@ -3767,7 +3755,7 @@
               </a:tabLst>
             </a:pPr>
             <a:r>
-              <a:rPr lang="en-GB" sz="4000" dirty="0" smtClean="0">
+              <a:rPr lang="en-GB" sz="4000" dirty="0">
                 <a:solidFill>
                   <a:srgbClr val="000000"/>
                 </a:solidFill>
@@ -3775,12 +3763,6 @@
               </a:rPr>
               <a:t>Electronic Excitation Model</a:t>
             </a:r>
-            <a:endParaRPr lang="en-GB" sz="4000" dirty="0">
-              <a:solidFill>
-                <a:srgbClr val="000000"/>
-              </a:solidFill>
-              <a:latin typeface="Times New Roman" pitchFamily="18" charset="0"/>
-            </a:endParaRPr>
           </a:p>
         </p:txBody>
       </p:sp>
@@ -4294,7 +4276,7 @@
             <a:lstStyle/>
             <a:p>
               <a:r>
-                <a:rPr lang="en-GB" sz="3600" dirty="0" smtClean="0">
+                <a:rPr lang="en-GB" sz="3600" dirty="0">
                   <a:solidFill>
                     <a:srgbClr val="000000"/>
                   </a:solidFill>
@@ -4328,7 +4310,7 @@
             <a:lstStyle/>
             <a:p>
               <a:r>
-                <a:rPr lang="en-GB" sz="3600" dirty="0" smtClean="0">
+                <a:rPr lang="en-GB" sz="3600" dirty="0">
                   <a:solidFill>
                     <a:srgbClr val="000000"/>
                   </a:solidFill>
@@ -4377,7 +4359,7 @@
             <a:lstStyle/>
             <a:p>
               <a:r>
-                <a:rPr lang="en-GB" sz="3600" dirty="0" smtClean="0">
+                <a:rPr lang="en-GB" sz="3600" dirty="0">
                   <a:solidFill>
                     <a:srgbClr val="000000"/>
                   </a:solidFill>
@@ -4411,7 +4393,7 @@
             <a:lstStyle/>
             <a:p>
               <a:r>
-                <a:rPr lang="en-GB" sz="3600" dirty="0" smtClean="0">
+                <a:rPr lang="en-GB" sz="3600" dirty="0">
                   <a:solidFill>
                     <a:srgbClr val="000000"/>
                   </a:solidFill>
@@ -4710,16 +4692,12 @@
           <a:lstStyle/>
           <a:p>
             <a:r>
-              <a:rPr lang="en-US" sz="3600" dirty="0" smtClean="0">
+              <a:rPr lang="en-US" sz="3600" dirty="0">
                 <a:latin typeface="Symbol" charset="2"/>
                 <a:cs typeface="Symbol" charset="2"/>
               </a:rPr>
               <a:t>g</a:t>
             </a:r>
-            <a:endParaRPr lang="en-US" sz="3600" dirty="0">
-              <a:latin typeface="Symbol" charset="2"/>
-              <a:cs typeface="Symbol" charset="2"/>
-            </a:endParaRPr>
           </a:p>
         </p:txBody>
       </p:sp>
@@ -4783,7 +4761,7 @@
           <a:lstStyle/>
           <a:p>
             <a:r>
-              <a:rPr lang="en-GB" dirty="0" smtClean="0">
+              <a:rPr lang="en-GB" dirty="0">
                 <a:solidFill>
                   <a:srgbClr val="000000"/>
                 </a:solidFill>
@@ -4794,7 +4772,7 @@
           </a:p>
           <a:p>
             <a:r>
-              <a:rPr lang="en-GB" dirty="0" smtClean="0">
+              <a:rPr lang="en-GB" dirty="0">
                 <a:solidFill>
                   <a:srgbClr val="000000"/>
                 </a:solidFill>
@@ -4803,7 +4781,7 @@
               <a:t>(</a:t>
             </a:r>
             <a:r>
-              <a:rPr lang="en-GB" b="1" dirty="0" smtClean="0">
+              <a:rPr lang="en-GB" b="1" dirty="0">
                 <a:solidFill>
                   <a:srgbClr val="000000"/>
                 </a:solidFill>
@@ -4812,7 +4790,7 @@
               <a:t>Absorption</a:t>
             </a:r>
             <a:r>
-              <a:rPr lang="en-GB" dirty="0" smtClean="0">
+              <a:rPr lang="en-GB" dirty="0">
                 <a:solidFill>
                   <a:srgbClr val="000000"/>
                 </a:solidFill>
@@ -4879,7 +4857,7 @@
           <a:lstStyle/>
           <a:p>
             <a:r>
-              <a:rPr lang="en-GB" b="1" dirty="0" err="1" smtClean="0">
+              <a:rPr lang="en-GB" b="1" dirty="0" err="1">
                 <a:solidFill>
                   <a:srgbClr val="000000"/>
                 </a:solidFill>
@@ -4888,7 +4866,7 @@
               <a:t>Radiationless</a:t>
             </a:r>
             <a:r>
-              <a:rPr lang="en-GB" b="1" dirty="0" smtClean="0">
+              <a:rPr lang="en-GB" b="1" dirty="0">
                 <a:solidFill>
                   <a:srgbClr val="000000"/>
                 </a:solidFill>
@@ -4897,7 +4875,7 @@
               <a:t> decay</a:t>
             </a:r>
             <a:r>
-              <a:rPr lang="en-GB" dirty="0" smtClean="0">
+              <a:rPr lang="en-GB" dirty="0">
                 <a:solidFill>
                   <a:srgbClr val="000000"/>
                 </a:solidFill>
@@ -4997,16 +4975,12 @@
           <a:lstStyle/>
           <a:p>
             <a:r>
-              <a:rPr lang="en-US" sz="3600" dirty="0" smtClean="0">
+              <a:rPr lang="en-US" sz="3600" dirty="0">
                 <a:latin typeface="Symbol" charset="2"/>
                 <a:cs typeface="Symbol" charset="2"/>
               </a:rPr>
               <a:t>g</a:t>
             </a:r>
-            <a:endParaRPr lang="en-US" sz="3600" dirty="0">
-              <a:latin typeface="Symbol" charset="2"/>
-              <a:cs typeface="Symbol" charset="2"/>
-            </a:endParaRPr>
           </a:p>
         </p:txBody>
       </p:sp>
@@ -5032,7 +5006,7 @@
           <a:lstStyle/>
           <a:p>
             <a:r>
-              <a:rPr lang="en-GB" b="1" dirty="0" smtClean="0">
+              <a:rPr lang="en-GB" b="1" dirty="0">
                 <a:solidFill>
                   <a:srgbClr val="000000"/>
                 </a:solidFill>
@@ -5041,25 +5015,16 @@
               <a:t>Fluorescence</a:t>
             </a:r>
             <a:r>
-              <a:rPr lang="en-GB" dirty="0" smtClean="0">
+              <a:rPr lang="en-GB" dirty="0">
                 <a:solidFill>
                   <a:srgbClr val="000000"/>
                 </a:solidFill>
                 <a:latin typeface="Times New Roman" pitchFamily="18" charset="0"/>
               </a:rPr>
-              <a:t> </a:t>
+              <a:t> (Fast </a:t>
             </a:r>
             <a:r>
-              <a:rPr lang="en-GB" dirty="0" smtClean="0">
-                <a:solidFill>
-                  <a:srgbClr val="000000"/>
-                </a:solidFill>
-                <a:latin typeface="Times New Roman" pitchFamily="18" charset="0"/>
-              </a:rPr>
-              <a:t>(Fast </a:t>
-            </a:r>
-            <a:r>
-              <a:rPr lang="en-GB" dirty="0" err="1" smtClean="0">
+              <a:rPr lang="en-GB" dirty="0" err="1">
                 <a:solidFill>
                   <a:srgbClr val="000000"/>
                 </a:solidFill>
@@ -5068,7 +5033,7 @@
               <a:t>radiative</a:t>
             </a:r>
             <a:r>
-              <a:rPr lang="en-GB" dirty="0" smtClean="0">
+              <a:rPr lang="en-GB" dirty="0">
                 <a:solidFill>
                   <a:srgbClr val="000000"/>
                 </a:solidFill>
@@ -5135,51 +5100,47 @@
           <a:lstStyle/>
           <a:p>
             <a:r>
-              <a:rPr lang="en-US" b="1" dirty="0" smtClean="0">
+              <a:rPr lang="en-US" b="1" dirty="0">
                 <a:latin typeface="Times New Roman"/>
                 <a:cs typeface="Times New Roman"/>
               </a:rPr>
               <a:t>Internal conversion</a:t>
             </a:r>
             <a:r>
-              <a:rPr lang="en-US" dirty="0" smtClean="0">
+              <a:rPr lang="en-US" dirty="0">
                 <a:latin typeface="Times New Roman"/>
                 <a:cs typeface="Times New Roman"/>
               </a:rPr>
               <a:t> (</a:t>
             </a:r>
             <a:r>
-              <a:rPr lang="en-US" dirty="0" err="1" smtClean="0">
+              <a:rPr lang="en-US" dirty="0" err="1">
                 <a:latin typeface="Times New Roman"/>
                 <a:cs typeface="Times New Roman"/>
               </a:rPr>
               <a:t>Slowish</a:t>
             </a:r>
             <a:r>
-              <a:rPr lang="en-US" dirty="0" smtClean="0">
+              <a:rPr lang="en-US" dirty="0">
                 <a:latin typeface="Times New Roman"/>
                 <a:cs typeface="Times New Roman"/>
               </a:rPr>
               <a:t> non-</a:t>
             </a:r>
             <a:r>
-              <a:rPr lang="en-US" dirty="0" err="1" smtClean="0">
+              <a:rPr lang="en-US" dirty="0" err="1">
                 <a:latin typeface="Times New Roman"/>
                 <a:cs typeface="Times New Roman"/>
               </a:rPr>
               <a:t>radiative</a:t>
             </a:r>
             <a:r>
-              <a:rPr lang="en-US" dirty="0" smtClean="0">
+              <a:rPr lang="en-US" dirty="0">
                 <a:latin typeface="Times New Roman"/>
                 <a:cs typeface="Times New Roman"/>
               </a:rPr>
               <a:t> decay)</a:t>
             </a:r>
-            <a:endParaRPr lang="en-US" dirty="0">
-              <a:latin typeface="Times New Roman"/>
-              <a:cs typeface="Times New Roman"/>
-            </a:endParaRPr>
           </a:p>
         </p:txBody>
       </p:sp>
@@ -5196,7 +5157,7 @@
   <p:timing>
     <p:tnLst>
       <p:par>
-        <p:cTn xmlns:p14="http://schemas.microsoft.com/office/powerpoint/2010/main" id="1" dur="indefinite" restart="never" nodeType="tmRoot">
+        <p:cTn id="1" dur="indefinite" restart="never" nodeType="tmRoot">
           <p:childTnLst>
             <p:seq concurrent="1" nextAc="seek">
               <p:cTn id="2" dur="indefinite" nodeType="mainSeq">
@@ -7146,7 +7107,7 @@
               </a:tabLst>
             </a:pPr>
             <a:r>
-              <a:rPr lang="en-GB" sz="4000" dirty="0" smtClean="0">
+              <a:rPr lang="en-GB" sz="4000" dirty="0">
                 <a:solidFill>
                   <a:srgbClr val="000000"/>
                 </a:solidFill>
@@ -7154,12 +7115,6 @@
               </a:rPr>
               <a:t>Electronic Excitation Model</a:t>
             </a:r>
-            <a:endParaRPr lang="en-GB" sz="4000" dirty="0">
-              <a:solidFill>
-                <a:srgbClr val="000000"/>
-              </a:solidFill>
-              <a:latin typeface="Times New Roman" pitchFamily="18" charset="0"/>
-            </a:endParaRPr>
           </a:p>
         </p:txBody>
       </p:sp>
@@ -7673,7 +7628,7 @@
             <a:lstStyle/>
             <a:p>
               <a:r>
-                <a:rPr lang="en-GB" sz="3600" dirty="0" smtClean="0">
+                <a:rPr lang="en-GB" sz="3600" dirty="0">
                   <a:solidFill>
                     <a:srgbClr val="000000"/>
                   </a:solidFill>
@@ -7707,7 +7662,7 @@
             <a:lstStyle/>
             <a:p>
               <a:r>
-                <a:rPr lang="en-GB" sz="3600" dirty="0" smtClean="0">
+                <a:rPr lang="en-GB" sz="3600" dirty="0">
                   <a:solidFill>
                     <a:srgbClr val="000000"/>
                   </a:solidFill>
@@ -7756,7 +7711,7 @@
             <a:lstStyle/>
             <a:p>
               <a:r>
-                <a:rPr lang="en-GB" sz="3600" dirty="0" smtClean="0">
+                <a:rPr lang="en-GB" sz="3600" dirty="0">
                   <a:solidFill>
                     <a:srgbClr val="000000"/>
                   </a:solidFill>
@@ -7790,7 +7745,7 @@
             <a:lstStyle/>
             <a:p>
               <a:r>
-                <a:rPr lang="en-GB" sz="3600" dirty="0" smtClean="0">
+                <a:rPr lang="en-GB" sz="3600" dirty="0">
                   <a:solidFill>
                     <a:srgbClr val="000000"/>
                   </a:solidFill>
@@ -8064,7 +8019,7 @@
             <a:lstStyle/>
             <a:p>
               <a:r>
-                <a:rPr lang="en-GB" sz="3600" dirty="0" smtClean="0">
+                <a:rPr lang="en-GB" sz="3600" dirty="0">
                   <a:solidFill>
                     <a:srgbClr val="000000"/>
                   </a:solidFill>
@@ -8098,7 +8053,7 @@
             <a:lstStyle/>
             <a:p>
               <a:r>
-                <a:rPr lang="en-GB" sz="3600" dirty="0" smtClean="0">
+                <a:rPr lang="en-GB" sz="3600" dirty="0">
                   <a:solidFill>
                     <a:srgbClr val="000000"/>
                   </a:solidFill>
@@ -8397,16 +8352,12 @@
           <a:lstStyle/>
           <a:p>
             <a:r>
-              <a:rPr lang="en-US" sz="3600" dirty="0" smtClean="0">
+              <a:rPr lang="en-US" sz="3600" dirty="0">
                 <a:latin typeface="Symbol" charset="2"/>
                 <a:cs typeface="Symbol" charset="2"/>
               </a:rPr>
               <a:t>g</a:t>
             </a:r>
-            <a:endParaRPr lang="en-US" sz="3600" dirty="0">
-              <a:latin typeface="Symbol" charset="2"/>
-              <a:cs typeface="Symbol" charset="2"/>
-            </a:endParaRPr>
           </a:p>
         </p:txBody>
       </p:sp>
@@ -8470,7 +8421,7 @@
           <a:lstStyle/>
           <a:p>
             <a:r>
-              <a:rPr lang="en-GB" dirty="0" smtClean="0">
+              <a:rPr lang="en-GB" dirty="0">
                 <a:solidFill>
                   <a:srgbClr val="000000"/>
                 </a:solidFill>
@@ -8538,16 +8489,12 @@
           <a:lstStyle/>
           <a:p>
             <a:r>
-              <a:rPr lang="en-US" b="1" dirty="0" smtClean="0">
+              <a:rPr lang="en-US" b="1" dirty="0">
                 <a:latin typeface="Times New Roman"/>
                 <a:cs typeface="Times New Roman"/>
               </a:rPr>
               <a:t>Intersystem crossing</a:t>
             </a:r>
-            <a:endParaRPr lang="en-US" b="1" dirty="0">
-              <a:latin typeface="Times New Roman"/>
-              <a:cs typeface="Times New Roman"/>
-            </a:endParaRPr>
           </a:p>
         </p:txBody>
       </p:sp>
@@ -8742,7 +8689,7 @@
           <a:lstStyle/>
           <a:p>
             <a:r>
-              <a:rPr lang="en-GB" b="1" dirty="0" err="1" smtClean="0">
+              <a:rPr lang="en-GB" b="1" dirty="0" err="1">
                 <a:solidFill>
                   <a:srgbClr val="000000"/>
                 </a:solidFill>
@@ -8751,7 +8698,7 @@
               <a:t>Radiationless</a:t>
             </a:r>
             <a:r>
-              <a:rPr lang="en-GB" b="1" dirty="0" smtClean="0">
+              <a:rPr lang="en-GB" b="1" dirty="0">
                 <a:solidFill>
                   <a:srgbClr val="000000"/>
                 </a:solidFill>
@@ -8760,7 +8707,7 @@
               <a:t> decay</a:t>
             </a:r>
             <a:r>
-              <a:rPr lang="en-GB" dirty="0" smtClean="0">
+              <a:rPr lang="en-GB" dirty="0">
                 <a:solidFill>
                   <a:srgbClr val="000000"/>
                 </a:solidFill>
@@ -8860,7 +8807,7 @@
           <a:lstStyle/>
           <a:p>
             <a:r>
-              <a:rPr lang="en-GB" b="1" dirty="0" smtClean="0">
+              <a:rPr lang="en-GB" b="1" dirty="0">
                 <a:solidFill>
                   <a:srgbClr val="000000"/>
                 </a:solidFill>
@@ -8869,7 +8816,7 @@
               <a:t>Phosphorescence</a:t>
             </a:r>
             <a:r>
-              <a:rPr lang="en-GB" dirty="0" smtClean="0">
+              <a:rPr lang="en-GB" dirty="0">
                 <a:solidFill>
                   <a:srgbClr val="000000"/>
                 </a:solidFill>
@@ -8878,7 +8825,7 @@
               <a:t> (Slow </a:t>
             </a:r>
             <a:r>
-              <a:rPr lang="en-GB" dirty="0" err="1" smtClean="0">
+              <a:rPr lang="en-GB" dirty="0" err="1">
                 <a:solidFill>
                   <a:srgbClr val="000000"/>
                 </a:solidFill>
@@ -8887,7 +8834,7 @@
               <a:t>radiative</a:t>
             </a:r>
             <a:r>
-              <a:rPr lang="en-GB" dirty="0" smtClean="0">
+              <a:rPr lang="en-GB" dirty="0">
                 <a:solidFill>
                   <a:srgbClr val="000000"/>
                 </a:solidFill>
@@ -8986,16 +8933,12 @@
           <a:lstStyle/>
           <a:p>
             <a:r>
-              <a:rPr lang="en-US" sz="3600" dirty="0" smtClean="0">
+              <a:rPr lang="en-US" sz="3600" dirty="0">
                 <a:latin typeface="Symbol" charset="2"/>
                 <a:cs typeface="Symbol" charset="2"/>
               </a:rPr>
               <a:t>g</a:t>
             </a:r>
-            <a:endParaRPr lang="en-US" sz="3600" dirty="0">
-              <a:latin typeface="Symbol" charset="2"/>
-              <a:cs typeface="Symbol" charset="2"/>
-            </a:endParaRPr>
           </a:p>
         </p:txBody>
       </p:sp>
@@ -9022,7 +8965,7 @@
           <a:lstStyle/>
           <a:p>
             <a:r>
-              <a:rPr lang="en-US" b="1" dirty="0" smtClean="0">
+              <a:rPr lang="en-US" b="1" dirty="0">
                 <a:latin typeface="Times New Roman"/>
                 <a:cs typeface="Times New Roman"/>
               </a:rPr>
@@ -9035,19 +8978,10 @@
                 </a:solidFill>
                 <a:latin typeface="Times New Roman" pitchFamily="18" charset="0"/>
               </a:rPr>
-              <a:t>(Slow </a:t>
+              <a:t>(Slow non-</a:t>
             </a:r>
             <a:r>
-              <a:rPr lang="en-GB" dirty="0" smtClean="0">
-                <a:solidFill>
-                  <a:srgbClr val="000000"/>
-                </a:solidFill>
-                <a:latin typeface="Times New Roman" pitchFamily="18" charset="0"/>
-              </a:rPr>
-              <a:t>non-</a:t>
-            </a:r>
-            <a:r>
-              <a:rPr lang="en-GB" dirty="0" err="1" smtClean="0">
+              <a:rPr lang="en-GB" dirty="0" err="1">
                 <a:solidFill>
                   <a:srgbClr val="000000"/>
                 </a:solidFill>
@@ -9056,22 +8990,13 @@
               <a:t>radiative</a:t>
             </a:r>
             <a:r>
-              <a:rPr lang="en-GB" dirty="0" smtClean="0">
-                <a:solidFill>
-                  <a:srgbClr val="000000"/>
-                </a:solidFill>
-                <a:latin typeface="Times New Roman" pitchFamily="18" charset="0"/>
-              </a:rPr>
-              <a:t> </a:t>
-            </a:r>
-            <a:r>
               <a:rPr lang="en-GB" dirty="0">
                 <a:solidFill>
                   <a:srgbClr val="000000"/>
                 </a:solidFill>
                 <a:latin typeface="Times New Roman" pitchFamily="18" charset="0"/>
               </a:rPr>
-              <a:t>decay)</a:t>
+              <a:t> decay)</a:t>
             </a:r>
             <a:endParaRPr lang="en-US" b="1" dirty="0">
               <a:latin typeface="Times New Roman"/>
@@ -9126,7 +9051,7 @@
   <p:timing>
     <p:tnLst>
       <p:par>
-        <p:cTn xmlns:p14="http://schemas.microsoft.com/office/powerpoint/2010/main" id="1" dur="indefinite" restart="never" nodeType="tmRoot">
+        <p:cTn id="1" dur="indefinite" restart="never" nodeType="tmRoot">
           <p:childTnLst>
             <p:seq concurrent="1" nextAc="seek">
               <p:cTn id="2" dur="indefinite" nodeType="mainSeq">
@@ -12041,7 +11966,7 @@
               </a:tabLst>
             </a:pPr>
             <a:r>
-              <a:rPr lang="en-GB" sz="4000" dirty="0" smtClean="0">
+              <a:rPr lang="en-GB" sz="4000" dirty="0">
                 <a:solidFill>
                   <a:srgbClr val="000000"/>
                 </a:solidFill>
@@ -12049,12 +11974,6 @@
               </a:rPr>
               <a:t>Franck-Condon Principle</a:t>
             </a:r>
-            <a:endParaRPr lang="en-GB" sz="4000" dirty="0">
-              <a:solidFill>
-                <a:srgbClr val="000000"/>
-              </a:solidFill>
-              <a:latin typeface="Times New Roman" pitchFamily="18" charset="0"/>
-            </a:endParaRPr>
           </a:p>
         </p:txBody>
       </p:sp>
@@ -12111,34 +12030,16 @@
               </a:tabLst>
             </a:pPr>
             <a:r>
-              <a:rPr lang="en-GB" sz="3200" dirty="0" smtClean="0">
-                <a:solidFill>
-                  <a:srgbClr val="000000"/>
-                </a:solidFill>
-                <a:latin typeface="Times New Roman" pitchFamily="18" charset="0"/>
-              </a:rPr>
-              <a:t>The intensities of observed peaks in UV-Vis </a:t>
-            </a:r>
-            <a:r>
               <a:rPr lang="en-GB" sz="3200" dirty="0">
                 <a:solidFill>
                   <a:srgbClr val="000000"/>
                 </a:solidFill>
                 <a:latin typeface="Times New Roman" pitchFamily="18" charset="0"/>
               </a:rPr>
-              <a:t>spectra depend </a:t>
+              <a:t>The intensities of observed peaks in UV-Vis spectra depend on the overlap between the initial and final </a:t>
             </a:r>
             <a:r>
-              <a:rPr lang="en-GB" sz="3200" dirty="0" smtClean="0">
-                <a:solidFill>
-                  <a:srgbClr val="000000"/>
-                </a:solidFill>
-                <a:latin typeface="Times New Roman" pitchFamily="18" charset="0"/>
-              </a:rPr>
-              <a:t>on the overlap between the initial and final </a:t>
-            </a:r>
-            <a:r>
-              <a:rPr lang="en-GB" sz="3200" b="1" dirty="0" err="1" smtClean="0">
+              <a:rPr lang="en-GB" sz="3200" b="1" dirty="0" err="1">
                 <a:solidFill>
                   <a:srgbClr val="000000"/>
                 </a:solidFill>
@@ -12147,7 +12048,7 @@
               <a:t>vibronic</a:t>
             </a:r>
             <a:r>
-              <a:rPr lang="en-GB" sz="3200" b="1" dirty="0" smtClean="0">
+              <a:rPr lang="en-GB" sz="3200" b="1" dirty="0">
                 <a:solidFill>
                   <a:srgbClr val="000000"/>
                 </a:solidFill>
@@ -13046,7 +12947,7 @@
             <a:lstStyle/>
             <a:p>
               <a:r>
-                <a:rPr lang="en-GB" sz="3600" dirty="0" smtClean="0">
+                <a:rPr lang="en-GB" sz="3600" dirty="0">
                   <a:solidFill>
                     <a:srgbClr val="000000"/>
                   </a:solidFill>
@@ -13080,7 +12981,7 @@
             <a:lstStyle/>
             <a:p>
               <a:r>
-                <a:rPr lang="en-GB" sz="3600" dirty="0" smtClean="0">
+                <a:rPr lang="en-GB" sz="3600" dirty="0">
                   <a:solidFill>
                     <a:srgbClr val="000000"/>
                   </a:solidFill>
@@ -13129,7 +13030,7 @@
             <a:lstStyle/>
             <a:p>
               <a:r>
-                <a:rPr lang="en-GB" sz="3600" dirty="0" smtClean="0">
+                <a:rPr lang="en-GB" sz="3600" dirty="0">
                   <a:solidFill>
                     <a:srgbClr val="000000"/>
                   </a:solidFill>
@@ -13163,7 +13064,7 @@
             <a:lstStyle/>
             <a:p>
               <a:r>
-                <a:rPr lang="en-GB" sz="3600" dirty="0" smtClean="0">
+                <a:rPr lang="en-GB" sz="3600" dirty="0">
                   <a:solidFill>
                     <a:srgbClr val="000000"/>
                   </a:solidFill>
@@ -13212,7 +13113,7 @@
             <a:lstStyle/>
             <a:p>
               <a:r>
-                <a:rPr lang="en-GB" sz="3600" dirty="0" smtClean="0">
+                <a:rPr lang="en-GB" sz="3600" dirty="0">
                   <a:solidFill>
                     <a:srgbClr val="000000"/>
                   </a:solidFill>
@@ -13246,7 +13147,7 @@
             <a:lstStyle/>
             <a:p>
               <a:r>
-                <a:rPr lang="en-GB" sz="3600" dirty="0" smtClean="0">
+                <a:rPr lang="en-GB" sz="3600" dirty="0">
                   <a:solidFill>
                     <a:srgbClr val="000000"/>
                   </a:solidFill>
@@ -13295,7 +13196,7 @@
             <a:lstStyle/>
             <a:p>
               <a:r>
-                <a:rPr lang="en-GB" sz="3600" dirty="0" smtClean="0">
+                <a:rPr lang="en-GB" sz="3600" dirty="0">
                   <a:solidFill>
                     <a:srgbClr val="000000"/>
                   </a:solidFill>
@@ -13329,7 +13230,7 @@
             <a:lstStyle/>
             <a:p>
               <a:r>
-                <a:rPr lang="en-GB" sz="3600" dirty="0" smtClean="0">
+                <a:rPr lang="en-GB" sz="3600" dirty="0">
                   <a:solidFill>
                     <a:srgbClr val="000000"/>
                   </a:solidFill>
@@ -13397,7 +13298,7 @@
           <a:lstStyle/>
           <a:p>
             <a:r>
-              <a:rPr lang="en-GB" sz="2000" dirty="0" smtClean="0">
+              <a:rPr lang="en-GB" sz="2000" dirty="0">
                 <a:solidFill>
                   <a:srgbClr val="000000"/>
                 </a:solidFill>
@@ -13431,7 +13332,7 @@
           <a:lstStyle/>
           <a:p>
             <a:r>
-              <a:rPr lang="en-GB" sz="2000" dirty="0" smtClean="0">
+              <a:rPr lang="en-GB" sz="2000" dirty="0">
                 <a:solidFill>
                   <a:srgbClr val="000000"/>
                 </a:solidFill>
@@ -13489,7 +13390,7 @@
   <p:timing>
     <p:tnLst>
       <p:par>
-        <p:cTn xmlns:p14="http://schemas.microsoft.com/office/powerpoint/2010/main" id="1" dur="indefinite" restart="never" nodeType="tmRoot">
+        <p:cTn id="1" dur="indefinite" restart="never" nodeType="tmRoot">
           <p:childTnLst>
             <p:seq concurrent="1" nextAc="seek">
               <p:cTn id="2" dur="indefinite" nodeType="mainSeq">
@@ -14622,23 +14523,12 @@
           <a:p>
             <a:pPr algn="ctr"/>
             <a:r>
-              <a:rPr lang="en-US" sz="4400" dirty="0" smtClean="0">
+              <a:rPr lang="en-US" sz="4400" dirty="0">
                 <a:latin typeface="Times New Roman"/>
                 <a:cs typeface="Times New Roman"/>
               </a:rPr>
-              <a:t>Fluorescence </a:t>
+              <a:t>Fluorescence Spectra</a:t>
             </a:r>
-            <a:r>
-              <a:rPr lang="en-US" sz="4400" dirty="0" smtClean="0">
-                <a:latin typeface="Times New Roman"/>
-                <a:cs typeface="Times New Roman"/>
-              </a:rPr>
-              <a:t>Spectra</a:t>
-            </a:r>
-            <a:endParaRPr lang="en-US" sz="4400" dirty="0" smtClean="0">
-              <a:latin typeface="Times New Roman"/>
-              <a:cs typeface="Times New Roman"/>
-            </a:endParaRPr>
           </a:p>
         </p:txBody>
       </p:sp>
@@ -14688,14 +14578,14 @@
           <a:lstStyle/>
           <a:p>
             <a:r>
-              <a:rPr lang="en-US" dirty="0" smtClean="0">
+              <a:rPr lang="en-US" dirty="0">
                 <a:latin typeface="Times New Roman"/>
                 <a:cs typeface="Times New Roman"/>
               </a:rPr>
               <a:t>Hitachi-</a:t>
             </a:r>
             <a:r>
-              <a:rPr lang="en-US" dirty="0" err="1" smtClean="0">
+              <a:rPr lang="en-US" dirty="0" err="1">
                 <a:latin typeface="Times New Roman"/>
                 <a:cs typeface="Times New Roman"/>
               </a:rPr>
@@ -14727,25 +14617,11 @@
           <a:lstStyle/>
           <a:p>
             <a:r>
-              <a:rPr lang="en-US" dirty="0" smtClean="0">
-                <a:latin typeface="Times New Roman"/>
-                <a:cs typeface="Times New Roman"/>
-              </a:rPr>
-              <a:t>A Plasma Display </a:t>
-            </a:r>
-            <a:r>
               <a:rPr lang="en-US" dirty="0">
                 <a:latin typeface="Times New Roman"/>
                 <a:cs typeface="Times New Roman"/>
               </a:rPr>
-              <a:t>Panel  </a:t>
-            </a:r>
-            <a:r>
-              <a:rPr lang="en-US" dirty="0" smtClean="0">
-                <a:latin typeface="Times New Roman"/>
-                <a:cs typeface="Times New Roman"/>
-              </a:rPr>
-              <a:t>Fluorescence Spectrum</a:t>
+              <a:t>A Plasma Display Panel  Fluorescence Spectrum</a:t>
             </a:r>
             <a:endParaRPr lang="en-US" dirty="0"/>
           </a:p>
@@ -14806,7 +14682,7 @@
           <a:lstStyle/>
           <a:p>
             <a:r>
-              <a:rPr lang="en-US" dirty="0" smtClean="0">
+              <a:rPr lang="en-US" dirty="0">
                 <a:latin typeface="Times New Roman"/>
                 <a:cs typeface="Times New Roman"/>
               </a:rPr>
@@ -14859,13 +14735,6 @@
   <p:clrMapOvr>
     <a:masterClrMapping/>
   </p:clrMapOvr>
-  <p:timing>
-    <p:tnLst>
-      <p:par>
-        <p:cTn xmlns:p14="http://schemas.microsoft.com/office/powerpoint/2010/main" id="1" dur="indefinite" restart="never" nodeType="tmRoot"/>
-      </p:par>
-    </p:tnLst>
-  </p:timing>
 </p:sld>
 </file>
 
@@ -15008,23 +14877,12 @@
           <a:p>
             <a:pPr algn="ctr"/>
             <a:r>
-              <a:rPr lang="en-US" sz="4400" dirty="0" smtClean="0">
+              <a:rPr lang="en-US" sz="4400" dirty="0">
                 <a:latin typeface="Times New Roman"/>
                 <a:cs typeface="Times New Roman"/>
               </a:rPr>
-              <a:t>Fluorescence </a:t>
+              <a:t>Fluorescence Spectra</a:t>
             </a:r>
-            <a:r>
-              <a:rPr lang="en-US" sz="4400" dirty="0" smtClean="0">
-                <a:latin typeface="Times New Roman"/>
-                <a:cs typeface="Times New Roman"/>
-              </a:rPr>
-              <a:t>Spectra</a:t>
-            </a:r>
-            <a:endParaRPr lang="en-US" sz="4400" dirty="0" smtClean="0">
-              <a:latin typeface="Times New Roman"/>
-              <a:cs typeface="Times New Roman"/>
-            </a:endParaRPr>
           </a:p>
         </p:txBody>
       </p:sp>
@@ -15050,35 +14908,21 @@
           <a:lstStyle/>
           <a:p>
             <a:r>
-              <a:rPr lang="en-US" dirty="0" smtClean="0">
-                <a:latin typeface="Times New Roman"/>
-                <a:cs typeface="Times New Roman"/>
-              </a:rPr>
-              <a:t>A </a:t>
-            </a:r>
-            <a:r>
               <a:rPr lang="en-US" dirty="0">
                 <a:latin typeface="Times New Roman"/>
                 <a:cs typeface="Times New Roman"/>
               </a:rPr>
-              <a:t>neat fluorescence </a:t>
+              <a:t>A neat fluorescence spectrum tool for assorted </a:t>
             </a:r>
             <a:r>
-              <a:rPr lang="en-US" dirty="0" smtClean="0">
-                <a:latin typeface="Times New Roman"/>
-                <a:cs typeface="Times New Roman"/>
-              </a:rPr>
-              <a:t>spectrum tool for assorted </a:t>
-            </a:r>
-            <a:r>
-              <a:rPr lang="en-US" dirty="0" err="1" smtClean="0">
+              <a:rPr lang="en-US" dirty="0" err="1">
                 <a:latin typeface="Times New Roman"/>
                 <a:cs typeface="Times New Roman"/>
               </a:rPr>
               <a:t>fluoro</a:t>
             </a:r>
             <a:r>
-              <a:rPr lang="en-US" dirty="0" smtClean="0">
+              <a:rPr lang="en-US" dirty="0">
                 <a:latin typeface="Times New Roman"/>
                 <a:cs typeface="Times New Roman"/>
               </a:rPr>
@@ -15099,20 +14943,12 @@
                 <a:cs typeface="Times New Roman"/>
                 <a:hlinkClick r:id="rId4"/>
               </a:rPr>
-              <a:t>http://www.bdbiosciences.com/ca/research/multicolor/spectrum_viewer/</a:t>
+              <a:t>http://www.bdbiosciences.com/ca/research/multicolor/spectrum_viewer/index.jsp</a:t>
             </a:r>
-            <a:r>
-              <a:rPr lang="en-US" dirty="0" smtClean="0">
-                <a:latin typeface="Times New Roman"/>
-                <a:cs typeface="Times New Roman"/>
-                <a:hlinkClick r:id="rId4"/>
-              </a:rPr>
-              <a:t>index.jsp</a:t>
-            </a:r>
-            <a:endParaRPr lang="en-US" dirty="0" smtClean="0"/>
+            <a:endParaRPr lang="en-US" dirty="0"/>
           </a:p>
           <a:p>
-            <a:endParaRPr lang="en-US" dirty="0" smtClean="0">
+            <a:endParaRPr lang="en-US" dirty="0">
               <a:latin typeface="Times New Roman"/>
               <a:cs typeface="Times New Roman"/>
             </a:endParaRPr>
@@ -15129,13 +14965,326 @@
   <p:clrMapOvr>
     <a:masterClrMapping/>
   </p:clrMapOvr>
-  <p:timing>
-    <p:tnLst>
-      <p:par>
-        <p:cTn xmlns:p14="http://schemas.microsoft.com/office/powerpoint/2010/main" id="1" dur="indefinite" restart="never" nodeType="tmRoot"/>
-      </p:par>
-    </p:tnLst>
-  </p:timing>
+</p:sld>
+</file>
+
+<file path=ppt/slides/slide7.xml><?xml version="1.0" encoding="utf-8"?>
+<p:sld xmlns:a="http://schemas.openxmlformats.org/drawingml/2006/main" xmlns:r="http://schemas.openxmlformats.org/officeDocument/2006/relationships" xmlns:p="http://schemas.openxmlformats.org/presentationml/2006/main">
+  <p:cSld>
+    <p:spTree>
+      <p:nvGrpSpPr>
+        <p:cNvPr id="1" name=""/>
+        <p:cNvGrpSpPr/>
+        <p:nvPr/>
+      </p:nvGrpSpPr>
+      <p:grpSpPr>
+        <a:xfrm>
+          <a:off x="0" y="0"/>
+          <a:ext cx="0" cy="0"/>
+          <a:chOff x="0" y="0"/>
+          <a:chExt cx="0" cy="0"/>
+        </a:xfrm>
+      </p:grpSpPr>
+      <p:pic>
+        <p:nvPicPr>
+          <p:cNvPr id="4" name="Picture 3">
+            <a:extLst>
+              <a:ext uri="{FF2B5EF4-FFF2-40B4-BE49-F238E27FC236}">
+                <a16:creationId xmlns:a16="http://schemas.microsoft.com/office/drawing/2014/main" id="{AE96931B-229C-ECFE-E3A4-3736F832436B}"/>
+              </a:ext>
+            </a:extLst>
+          </p:cNvPr>
+          <p:cNvPicPr>
+            <a:picLocks noChangeAspect="1"/>
+          </p:cNvPicPr>
+          <p:nvPr/>
+        </p:nvPicPr>
+        <p:blipFill>
+          <a:blip r:embed="rId2"/>
+          <a:stretch>
+            <a:fillRect/>
+          </a:stretch>
+        </p:blipFill>
+        <p:spPr>
+          <a:xfrm>
+            <a:off x="202391" y="1645730"/>
+            <a:ext cx="3964495" cy="3392300"/>
+          </a:xfrm>
+          <a:prstGeom prst="rect">
+            <a:avLst/>
+          </a:prstGeom>
+        </p:spPr>
+      </p:pic>
+      <p:pic>
+        <p:nvPicPr>
+          <p:cNvPr id="5" name="Picture 2">
+            <a:extLst>
+              <a:ext uri="{FF2B5EF4-FFF2-40B4-BE49-F238E27FC236}">
+                <a16:creationId xmlns:a16="http://schemas.microsoft.com/office/drawing/2014/main" id="{D6389ADD-531B-D98E-8B63-19B07036ED8A}"/>
+              </a:ext>
+            </a:extLst>
+          </p:cNvPr>
+          <p:cNvPicPr>
+            <a:picLocks noChangeAspect="1" noChangeArrowheads="1"/>
+          </p:cNvPicPr>
+          <p:nvPr/>
+        </p:nvPicPr>
+        <p:blipFill>
+          <a:blip r:embed="rId3"/>
+          <a:srcRect/>
+          <a:stretch>
+            <a:fillRect/>
+          </a:stretch>
+        </p:blipFill>
+        <p:spPr bwMode="auto">
+          <a:xfrm>
+            <a:off x="57034" y="152400"/>
+            <a:ext cx="9027242" cy="243704"/>
+          </a:xfrm>
+          <a:prstGeom prst="rect">
+            <a:avLst/>
+          </a:prstGeom>
+          <a:noFill/>
+          <a:ln w="9525">
+            <a:noFill/>
+            <a:round/>
+            <a:headEnd/>
+            <a:tailEnd/>
+          </a:ln>
+        </p:spPr>
+      </p:pic>
+      <p:sp>
+        <p:nvSpPr>
+          <p:cNvPr id="6" name="Rectangle 1">
+            <a:extLst>
+              <a:ext uri="{FF2B5EF4-FFF2-40B4-BE49-F238E27FC236}">
+                <a16:creationId xmlns:a16="http://schemas.microsoft.com/office/drawing/2014/main" id="{BFF65E7D-61DA-A3CD-65E7-6E93EA3AE8E8}"/>
+              </a:ext>
+            </a:extLst>
+          </p:cNvPr>
+          <p:cNvSpPr>
+            <a:spLocks noChangeArrowheads="1"/>
+          </p:cNvSpPr>
+          <p:nvPr/>
+        </p:nvSpPr>
+        <p:spPr bwMode="auto">
+          <a:xfrm>
+            <a:off x="22869" y="17770"/>
+            <a:ext cx="9104312" cy="1629820"/>
+          </a:xfrm>
+          <a:prstGeom prst="rect">
+            <a:avLst/>
+          </a:prstGeom>
+          <a:noFill/>
+          <a:ln w="9525">
+            <a:noFill/>
+            <a:round/>
+            <a:headEnd/>
+            <a:tailEnd/>
+          </a:ln>
+        </p:spPr>
+        <p:txBody>
+          <a:bodyPr lIns="0" tIns="0" rIns="0" bIns="0" anchor="ctr">
+            <a:prstTxWarp prst="textNoShape">
+              <a:avLst/>
+            </a:prstTxWarp>
+          </a:bodyPr>
+          <a:lstStyle/>
+          <a:p>
+            <a:pPr algn="ctr"/>
+            <a:r>
+              <a:rPr lang="en-US" sz="4400" dirty="0">
+                <a:latin typeface="Times New Roman"/>
+                <a:cs typeface="Times New Roman"/>
+              </a:rPr>
+              <a:t>PCR/Capillary Electrophoresis</a:t>
+            </a:r>
+          </a:p>
+        </p:txBody>
+      </p:sp>
+      <p:pic>
+        <p:nvPicPr>
+          <p:cNvPr id="7" name="Picture 6">
+            <a:extLst>
+              <a:ext uri="{FF2B5EF4-FFF2-40B4-BE49-F238E27FC236}">
+                <a16:creationId xmlns:a16="http://schemas.microsoft.com/office/drawing/2014/main" id="{7F9A83CB-9342-A839-1E47-D71A9B8FD4D1}"/>
+              </a:ext>
+            </a:extLst>
+          </p:cNvPr>
+          <p:cNvPicPr>
+            <a:picLocks noChangeAspect="1"/>
+          </p:cNvPicPr>
+          <p:nvPr/>
+        </p:nvPicPr>
+        <p:blipFill>
+          <a:blip r:embed="rId4"/>
+          <a:stretch>
+            <a:fillRect/>
+          </a:stretch>
+        </p:blipFill>
+        <p:spPr>
+          <a:xfrm>
+            <a:off x="4977115" y="1296365"/>
+            <a:ext cx="3790874" cy="4091031"/>
+          </a:xfrm>
+          <a:prstGeom prst="rect">
+            <a:avLst/>
+          </a:prstGeom>
+        </p:spPr>
+      </p:pic>
+      <p:sp>
+        <p:nvSpPr>
+          <p:cNvPr id="8" name="Rectangle 1">
+            <a:extLst>
+              <a:ext uri="{FF2B5EF4-FFF2-40B4-BE49-F238E27FC236}">
+                <a16:creationId xmlns:a16="http://schemas.microsoft.com/office/drawing/2014/main" id="{4F904A6D-49B8-DB7B-2DB9-5E4DD4FA8FAF}"/>
+              </a:ext>
+            </a:extLst>
+          </p:cNvPr>
+          <p:cNvSpPr>
+            <a:spLocks noChangeArrowheads="1"/>
+          </p:cNvSpPr>
+          <p:nvPr/>
+        </p:nvSpPr>
+        <p:spPr bwMode="auto">
+          <a:xfrm>
+            <a:off x="11294" y="5873532"/>
+            <a:ext cx="9104312" cy="608290"/>
+          </a:xfrm>
+          <a:prstGeom prst="rect">
+            <a:avLst/>
+          </a:prstGeom>
+          <a:noFill/>
+          <a:ln w="9525">
+            <a:noFill/>
+            <a:round/>
+            <a:headEnd/>
+            <a:tailEnd/>
+          </a:ln>
+        </p:spPr>
+        <p:txBody>
+          <a:bodyPr lIns="0" tIns="0" rIns="0" bIns="0" anchor="ctr">
+            <a:prstTxWarp prst="textNoShape">
+              <a:avLst/>
+            </a:prstTxWarp>
+          </a:bodyPr>
+          <a:lstStyle/>
+          <a:p>
+            <a:pPr algn="ctr"/>
+            <a:r>
+              <a:rPr lang="en-US" sz="2800" dirty="0">
+                <a:latin typeface="Times New Roman"/>
+                <a:cs typeface="Times New Roman"/>
+              </a:rPr>
+              <a:t>DNA Profiles are (many) UV-Vis (Fluorescence) spectra!</a:t>
+            </a:r>
+          </a:p>
+        </p:txBody>
+      </p:sp>
+      <p:sp>
+        <p:nvSpPr>
+          <p:cNvPr id="12" name="TextBox 11">
+            <a:extLst>
+              <a:ext uri="{FF2B5EF4-FFF2-40B4-BE49-F238E27FC236}">
+                <a16:creationId xmlns:a16="http://schemas.microsoft.com/office/drawing/2014/main" id="{F9099917-C62B-EEDF-8A9F-9F362173F733}"/>
+              </a:ext>
+            </a:extLst>
+          </p:cNvPr>
+          <p:cNvSpPr txBox="1"/>
+          <p:nvPr/>
+        </p:nvSpPr>
+        <p:spPr>
+          <a:xfrm>
+            <a:off x="2850398" y="5047529"/>
+            <a:ext cx="1443812" cy="307777"/>
+          </a:xfrm>
+          <a:prstGeom prst="rect">
+            <a:avLst/>
+          </a:prstGeom>
+          <a:noFill/>
+        </p:spPr>
+        <p:txBody>
+          <a:bodyPr wrap="square">
+            <a:spAutoFit/>
+          </a:bodyPr>
+          <a:lstStyle/>
+          <a:p>
+            <a:r>
+              <a:rPr lang="en-US" sz="1400" dirty="0">
+                <a:latin typeface="Times New Roman" panose="02020603050405020304" pitchFamily="18" charset="0"/>
+                <a:cs typeface="Times New Roman" panose="02020603050405020304" pitchFamily="18" charset="0"/>
+                <a:hlinkClick r:id="rId5"/>
+              </a:rPr>
+              <a:t>Wang et al. 2021</a:t>
+            </a:r>
+            <a:endParaRPr lang="en-US" sz="1400" dirty="0">
+              <a:latin typeface="Times New Roman" panose="02020603050405020304" pitchFamily="18" charset="0"/>
+              <a:cs typeface="Times New Roman" panose="02020603050405020304" pitchFamily="18" charset="0"/>
+            </a:endParaRPr>
+          </a:p>
+        </p:txBody>
+      </p:sp>
+      <p:sp>
+        <p:nvSpPr>
+          <p:cNvPr id="14" name="TextBox 13">
+            <a:extLst>
+              <a:ext uri="{FF2B5EF4-FFF2-40B4-BE49-F238E27FC236}">
+                <a16:creationId xmlns:a16="http://schemas.microsoft.com/office/drawing/2014/main" id="{3DCFBDA1-D8E8-703C-05BD-F064B33CC3B9}"/>
+              </a:ext>
+            </a:extLst>
+          </p:cNvPr>
+          <p:cNvSpPr txBox="1"/>
+          <p:nvPr/>
+        </p:nvSpPr>
+        <p:spPr>
+          <a:xfrm>
+            <a:off x="7407798" y="5398815"/>
+            <a:ext cx="1504709" cy="307777"/>
+          </a:xfrm>
+          <a:prstGeom prst="rect">
+            <a:avLst/>
+          </a:prstGeom>
+          <a:noFill/>
+        </p:spPr>
+        <p:txBody>
+          <a:bodyPr wrap="square">
+            <a:spAutoFit/>
+          </a:bodyPr>
+          <a:lstStyle/>
+          <a:p>
+            <a:r>
+              <a:rPr lang="en-US" sz="1400" dirty="0" err="1">
+                <a:latin typeface="Times New Roman" panose="02020603050405020304" pitchFamily="18" charset="0"/>
+                <a:cs typeface="Times New Roman" panose="02020603050405020304" pitchFamily="18" charset="0"/>
+                <a:hlinkClick r:id="rId6"/>
+              </a:rPr>
+              <a:t>Eftedal</a:t>
+            </a:r>
+            <a:r>
+              <a:rPr lang="en-US" sz="1400" dirty="0">
+                <a:latin typeface="Times New Roman" panose="02020603050405020304" pitchFamily="18" charset="0"/>
+                <a:cs typeface="Times New Roman" panose="02020603050405020304" pitchFamily="18" charset="0"/>
+                <a:hlinkClick r:id="rId6"/>
+              </a:rPr>
+              <a:t> et al. 2001</a:t>
+            </a:r>
+            <a:endParaRPr lang="en-US" sz="1400" dirty="0">
+              <a:latin typeface="Times New Roman" panose="02020603050405020304" pitchFamily="18" charset="0"/>
+              <a:cs typeface="Times New Roman" panose="02020603050405020304" pitchFamily="18" charset="0"/>
+            </a:endParaRPr>
+          </a:p>
+        </p:txBody>
+      </p:sp>
+    </p:spTree>
+    <p:extLst>
+      <p:ext uri="{BB962C8B-B14F-4D97-AF65-F5344CB8AC3E}">
+        <p14:creationId xmlns:p14="http://schemas.microsoft.com/office/powerpoint/2010/main" val="1476630966"/>
+      </p:ext>
+    </p:extLst>
+  </p:cSld>
+  <p:clrMapOvr>
+    <a:masterClrMapping/>
+  </p:clrMapOvr>
 </p:sld>
 </file>
 
